--- a/MySQL整理/25MySQL是怎么保证高可用的？.pptx
+++ b/MySQL整理/25MySQL是怎么保证高可用的？.pptx
@@ -203,7 +203,7 @@
           <a:p>
             <a:fld id="{A900F2CD-AD8F-46FC-AAAB-A0D218D6826F}" type="datetimeFigureOut">
               <a:rPr lang="zh-CN" altLang="en-US" smtClean="0"/>
-              <a:t>2020/1/20</a:t>
+              <a:t>2021/10/15</a:t>
             </a:fld>
             <a:endParaRPr lang="zh-CN" altLang="en-US"/>
           </a:p>
@@ -1161,7 +1161,7 @@
           <a:p>
             <a:fld id="{E396512D-F96B-4538-B91A-F7EB57A489A0}" type="datetimeFigureOut">
               <a:rPr lang="zh-CN" altLang="en-US" smtClean="0"/>
-              <a:t>2020/1/20</a:t>
+              <a:t>2021/10/15</a:t>
             </a:fld>
             <a:endParaRPr lang="zh-CN" altLang="en-US"/>
           </a:p>
@@ -1436,7 +1436,7 @@
           <a:p>
             <a:fld id="{E396512D-F96B-4538-B91A-F7EB57A489A0}" type="datetimeFigureOut">
               <a:rPr lang="zh-CN" altLang="en-US" smtClean="0"/>
-              <a:t>2020/1/20</a:t>
+              <a:t>2021/10/15</a:t>
             </a:fld>
             <a:endParaRPr lang="zh-CN" altLang="en-US"/>
           </a:p>
@@ -1630,7 +1630,7 @@
           <a:p>
             <a:fld id="{E396512D-F96B-4538-B91A-F7EB57A489A0}" type="datetimeFigureOut">
               <a:rPr lang="zh-CN" altLang="en-US" smtClean="0"/>
-              <a:t>2020/1/20</a:t>
+              <a:t>2021/10/15</a:t>
             </a:fld>
             <a:endParaRPr lang="zh-CN" altLang="en-US"/>
           </a:p>
@@ -1903,7 +1903,7 @@
           <a:p>
             <a:fld id="{E396512D-F96B-4538-B91A-F7EB57A489A0}" type="datetimeFigureOut">
               <a:rPr lang="zh-CN" altLang="en-US" smtClean="0"/>
-              <a:t>2020/1/20</a:t>
+              <a:t>2021/10/15</a:t>
             </a:fld>
             <a:endParaRPr lang="zh-CN" altLang="en-US"/>
           </a:p>
@@ -2244,7 +2244,7 @@
           <a:p>
             <a:fld id="{E396512D-F96B-4538-B91A-F7EB57A489A0}" type="datetimeFigureOut">
               <a:rPr lang="zh-CN" altLang="en-US" smtClean="0"/>
-              <a:t>2020/1/20</a:t>
+              <a:t>2021/10/15</a:t>
             </a:fld>
             <a:endParaRPr lang="zh-CN" altLang="en-US"/>
           </a:p>
@@ -2867,7 +2867,7 @@
           <a:p>
             <a:fld id="{E396512D-F96B-4538-B91A-F7EB57A489A0}" type="datetimeFigureOut">
               <a:rPr lang="zh-CN" altLang="en-US" smtClean="0"/>
-              <a:t>2020/1/20</a:t>
+              <a:t>2021/10/15</a:t>
             </a:fld>
             <a:endParaRPr lang="zh-CN" altLang="en-US"/>
           </a:p>
@@ -3727,7 +3727,7 @@
           <a:p>
             <a:fld id="{E396512D-F96B-4538-B91A-F7EB57A489A0}" type="datetimeFigureOut">
               <a:rPr lang="zh-CN" altLang="en-US" smtClean="0"/>
-              <a:t>2020/1/20</a:t>
+              <a:t>2021/10/15</a:t>
             </a:fld>
             <a:endParaRPr lang="zh-CN" altLang="en-US"/>
           </a:p>
@@ -3897,7 +3897,7 @@
           <a:p>
             <a:fld id="{E396512D-F96B-4538-B91A-F7EB57A489A0}" type="datetimeFigureOut">
               <a:rPr lang="zh-CN" altLang="en-US" smtClean="0"/>
-              <a:t>2020/1/20</a:t>
+              <a:t>2021/10/15</a:t>
             </a:fld>
             <a:endParaRPr lang="zh-CN" altLang="en-US"/>
           </a:p>
@@ -4077,7 +4077,7 @@
           <a:p>
             <a:fld id="{E396512D-F96B-4538-B91A-F7EB57A489A0}" type="datetimeFigureOut">
               <a:rPr lang="zh-CN" altLang="en-US" smtClean="0"/>
-              <a:t>2020/1/20</a:t>
+              <a:t>2021/10/15</a:t>
             </a:fld>
             <a:endParaRPr lang="zh-CN" altLang="en-US"/>
           </a:p>
@@ -4247,7 +4247,7 @@
           <a:p>
             <a:fld id="{E396512D-F96B-4538-B91A-F7EB57A489A0}" type="datetimeFigureOut">
               <a:rPr lang="zh-CN" altLang="en-US" smtClean="0"/>
-              <a:t>2020/1/20</a:t>
+              <a:t>2021/10/15</a:t>
             </a:fld>
             <a:endParaRPr lang="zh-CN" altLang="en-US"/>
           </a:p>
@@ -4494,7 +4494,7 @@
           <a:p>
             <a:fld id="{E396512D-F96B-4538-B91A-F7EB57A489A0}" type="datetimeFigureOut">
               <a:rPr lang="zh-CN" altLang="en-US" smtClean="0"/>
-              <a:t>2020/1/20</a:t>
+              <a:t>2021/10/15</a:t>
             </a:fld>
             <a:endParaRPr lang="zh-CN" altLang="en-US"/>
           </a:p>
@@ -4786,7 +4786,7 @@
           <a:p>
             <a:fld id="{E396512D-F96B-4538-B91A-F7EB57A489A0}" type="datetimeFigureOut">
               <a:rPr lang="zh-CN" altLang="en-US" smtClean="0"/>
-              <a:t>2020/1/20</a:t>
+              <a:t>2021/10/15</a:t>
             </a:fld>
             <a:endParaRPr lang="zh-CN" altLang="en-US"/>
           </a:p>
@@ -5230,7 +5230,7 @@
           <a:p>
             <a:fld id="{E396512D-F96B-4538-B91A-F7EB57A489A0}" type="datetimeFigureOut">
               <a:rPr lang="zh-CN" altLang="en-US" smtClean="0"/>
-              <a:t>2020/1/20</a:t>
+              <a:t>2021/10/15</a:t>
             </a:fld>
             <a:endParaRPr lang="zh-CN" altLang="en-US"/>
           </a:p>
@@ -5348,7 +5348,7 @@
           <a:p>
             <a:fld id="{E396512D-F96B-4538-B91A-F7EB57A489A0}" type="datetimeFigureOut">
               <a:rPr lang="zh-CN" altLang="en-US" smtClean="0"/>
-              <a:t>2020/1/20</a:t>
+              <a:t>2021/10/15</a:t>
             </a:fld>
             <a:endParaRPr lang="zh-CN" altLang="en-US"/>
           </a:p>
@@ -5443,7 +5443,7 @@
           <a:p>
             <a:fld id="{E396512D-F96B-4538-B91A-F7EB57A489A0}" type="datetimeFigureOut">
               <a:rPr lang="zh-CN" altLang="en-US" smtClean="0"/>
-              <a:t>2020/1/20</a:t>
+              <a:t>2021/10/15</a:t>
             </a:fld>
             <a:endParaRPr lang="zh-CN" altLang="en-US"/>
           </a:p>
@@ -5722,7 +5722,7 @@
           <a:p>
             <a:fld id="{E396512D-F96B-4538-B91A-F7EB57A489A0}" type="datetimeFigureOut">
               <a:rPr lang="zh-CN" altLang="en-US" smtClean="0"/>
-              <a:t>2020/1/20</a:t>
+              <a:t>2021/10/15</a:t>
             </a:fld>
             <a:endParaRPr lang="zh-CN" altLang="en-US"/>
           </a:p>
@@ -5997,7 +5997,7 @@
           <a:p>
             <a:fld id="{E396512D-F96B-4538-B91A-F7EB57A489A0}" type="datetimeFigureOut">
               <a:rPr lang="zh-CN" altLang="en-US" smtClean="0"/>
-              <a:t>2020/1/20</a:t>
+              <a:t>2021/10/15</a:t>
             </a:fld>
             <a:endParaRPr lang="zh-CN" altLang="en-US"/>
           </a:p>
@@ -6426,7 +6426,7 @@
           <a:p>
             <a:fld id="{E396512D-F96B-4538-B91A-F7EB57A489A0}" type="datetimeFigureOut">
               <a:rPr lang="zh-CN" altLang="en-US" smtClean="0"/>
-              <a:t>2020/1/20</a:t>
+              <a:t>2021/10/15</a:t>
             </a:fld>
             <a:endParaRPr lang="zh-CN" altLang="en-US"/>
           </a:p>
@@ -8426,7 +8426,7 @@
         </p:nvSpPr>
         <p:spPr>
           <a:xfrm>
-            <a:off x="7442200" y="2401735"/>
+            <a:off x="7442200" y="2306320"/>
             <a:ext cx="418736" cy="276999"/>
           </a:xfrm>
           <a:prstGeom prst="rect">
@@ -8460,7 +8460,7 @@
         </p:nvSpPr>
         <p:spPr>
           <a:xfrm>
-            <a:off x="7442200" y="2767826"/>
+            <a:off x="7442200" y="2672411"/>
             <a:ext cx="418736" cy="276999"/>
           </a:xfrm>
           <a:prstGeom prst="rect">
@@ -8494,7 +8494,7 @@
         </p:nvSpPr>
         <p:spPr>
           <a:xfrm>
-            <a:off x="7442200" y="3089695"/>
+            <a:off x="7442200" y="2994280"/>
             <a:ext cx="418736" cy="276999"/>
           </a:xfrm>
           <a:prstGeom prst="rect">
@@ -8528,7 +8528,7 @@
         </p:nvSpPr>
         <p:spPr>
           <a:xfrm>
-            <a:off x="7108825" y="2551027"/>
+            <a:off x="7108825" y="2455612"/>
             <a:ext cx="333375" cy="677167"/>
           </a:xfrm>
           <a:prstGeom prst="leftBrace">
@@ -8571,7 +8571,7 @@
         </p:nvSpPr>
         <p:spPr>
           <a:xfrm>
-            <a:off x="6049355" y="2706271"/>
+            <a:off x="6049355" y="2610856"/>
             <a:ext cx="1169172" cy="461665"/>
           </a:xfrm>
           <a:prstGeom prst="rect">
@@ -8697,7 +8697,7 @@
         <p:spPr>
           <a:xfrm>
             <a:off x="114300" y="842111"/>
-            <a:ext cx="1800493" cy="369332"/>
+            <a:ext cx="2262158" cy="369332"/>
           </a:xfrm>
           <a:prstGeom prst="rect">
             <a:avLst/>
@@ -8745,7 +8745,40 @@
                 <a:latin typeface="微软雅黑" panose="020B0503020204020204" pitchFamily="34" charset="-122"/>
                 <a:ea typeface="微软雅黑" panose="020B0503020204020204" pitchFamily="34" charset="-122"/>
               </a:rPr>
-              <a:t>备延迟的原因</a:t>
+              <a:t>备延</a:t>
+            </a:r>
+            <a:r>
+              <a:rPr lang="zh-CN" altLang="en-US" b="1" smtClean="0">
+                <a:ln/>
+                <a:solidFill>
+                  <a:srgbClr val="4FD1FF"/>
+                </a:solidFill>
+                <a:latin typeface="微软雅黑" panose="020B0503020204020204" pitchFamily="34" charset="-122"/>
+                <a:ea typeface="微软雅黑" panose="020B0503020204020204" pitchFamily="34" charset="-122"/>
+              </a:rPr>
+              <a:t>迟</a:t>
+            </a:r>
+            <a:r>
+              <a:rPr lang="zh-CN" altLang="en-US" b="1" smtClean="0">
+                <a:ln/>
+                <a:solidFill>
+                  <a:srgbClr val="4FD1FF"/>
+                </a:solidFill>
+                <a:latin typeface="微软雅黑" panose="020B0503020204020204" pitchFamily="34" charset="-122"/>
+                <a:ea typeface="微软雅黑" panose="020B0503020204020204" pitchFamily="34" charset="-122"/>
+              </a:rPr>
+              <a:t>的其他原</a:t>
+            </a:r>
+            <a:r>
+              <a:rPr lang="zh-CN" altLang="en-US" b="1" dirty="0" smtClean="0">
+                <a:ln/>
+                <a:solidFill>
+                  <a:srgbClr val="4FD1FF"/>
+                </a:solidFill>
+                <a:latin typeface="微软雅黑" panose="020B0503020204020204" pitchFamily="34" charset="-122"/>
+                <a:ea typeface="微软雅黑" panose="020B0503020204020204" pitchFamily="34" charset="-122"/>
+              </a:rPr>
+              <a:t>因</a:t>
             </a:r>
             <a:endParaRPr lang="en-US" altLang="zh-CN" b="1" dirty="0" smtClean="0">
               <a:ln/>
@@ -9646,14 +9679,14 @@
           <p:nvPr>
             <p:extLst>
               <p:ext uri="{D42A27DB-BD31-4B8C-83A1-F6EECF244321}">
-                <p14:modId xmlns:p14="http://schemas.microsoft.com/office/powerpoint/2010/main" val="3055484017"/>
+                <p14:modId xmlns:p14="http://schemas.microsoft.com/office/powerpoint/2010/main" val="824272628"/>
               </p:ext>
             </p:extLst>
           </p:nvPr>
         </p:nvGraphicFramePr>
         <p:xfrm>
           <a:off x="168892" y="1692524"/>
-          <a:ext cx="7965174" cy="2343896"/>
+          <a:ext cx="7965174" cy="2670790"/>
         </p:xfrm>
         <a:graphic>
           <a:graphicData uri="http://schemas.openxmlformats.org/drawingml/2006/table">
@@ -10081,6 +10114,102 @@
                   </a:ext>
                 </a:extLst>
               </a:tr>
+              <a:tr h="326894">
+                <a:tc>
+                  <a:txBody>
+                    <a:bodyPr/>
+                    <a:lstStyle/>
+                    <a:p>
+                      <a:r>
+                        <a:rPr lang="zh-CN" altLang="en-US" sz="1400" smtClean="0">
+                          <a:solidFill>
+                            <a:schemeClr val="bg1"/>
+                          </a:solidFill>
+                          <a:latin typeface="微软雅黑" panose="020B0503020204020204" pitchFamily="34" charset="-122"/>
+                          <a:ea typeface="微软雅黑" panose="020B0503020204020204" pitchFamily="34" charset="-122"/>
+                        </a:rPr>
+                        <a:t>执行命令</a:t>
+                      </a:r>
+                      <a:r>
+                        <a:rPr lang="en-US" altLang="zh-CN" sz="1400" smtClean="0">
+                          <a:solidFill>
+                            <a:schemeClr val="bg1"/>
+                          </a:solidFill>
+                          <a:latin typeface="微软雅黑" panose="020B0503020204020204" pitchFamily="34" charset="-122"/>
+                          <a:ea typeface="微软雅黑" panose="020B0503020204020204" pitchFamily="34" charset="-122"/>
+                        </a:rPr>
+                        <a:t>change master to</a:t>
+                      </a:r>
+                      <a:r>
+                        <a:rPr lang="en-US" altLang="zh-CN" sz="1400" baseline="0" smtClean="0">
+                          <a:solidFill>
+                            <a:schemeClr val="bg1"/>
+                          </a:solidFill>
+                          <a:latin typeface="微软雅黑" panose="020B0503020204020204" pitchFamily="34" charset="-122"/>
+                          <a:ea typeface="微软雅黑" panose="020B0503020204020204" pitchFamily="34" charset="-122"/>
+                        </a:rPr>
+                        <a:t> B</a:t>
+                      </a:r>
+                      <a:r>
+                        <a:rPr lang="zh-CN" altLang="en-US" sz="1400" baseline="0" smtClean="0">
+                          <a:solidFill>
+                            <a:schemeClr val="bg1"/>
+                          </a:solidFill>
+                          <a:latin typeface="微软雅黑" panose="020B0503020204020204" pitchFamily="34" charset="-122"/>
+                          <a:ea typeface="微软雅黑" panose="020B0503020204020204" pitchFamily="34" charset="-122"/>
+                        </a:rPr>
+                        <a:t>成为</a:t>
+                      </a:r>
+                      <a:r>
+                        <a:rPr lang="en-US" altLang="zh-CN" sz="1400" baseline="0" smtClean="0">
+                          <a:solidFill>
+                            <a:schemeClr val="bg1"/>
+                          </a:solidFill>
+                          <a:latin typeface="微软雅黑" panose="020B0503020204020204" pitchFamily="34" charset="-122"/>
+                          <a:ea typeface="微软雅黑" panose="020B0503020204020204" pitchFamily="34" charset="-122"/>
+                        </a:rPr>
+                        <a:t>B</a:t>
+                      </a:r>
+                      <a:r>
+                        <a:rPr lang="zh-CN" altLang="en-US" sz="1400" baseline="0" smtClean="0">
+                          <a:solidFill>
+                            <a:schemeClr val="bg1"/>
+                          </a:solidFill>
+                          <a:latin typeface="微软雅黑" panose="020B0503020204020204" pitchFamily="34" charset="-122"/>
+                          <a:ea typeface="微软雅黑" panose="020B0503020204020204" pitchFamily="34" charset="-122"/>
+                        </a:rPr>
+                        <a:t>的从库</a:t>
+                      </a:r>
+                      <a:endParaRPr lang="zh-CN" altLang="en-US" sz="1400" dirty="0">
+                        <a:solidFill>
+                          <a:schemeClr val="bg1"/>
+                        </a:solidFill>
+                        <a:latin typeface="微软雅黑" panose="020B0503020204020204" pitchFamily="34" charset="-122"/>
+                        <a:ea typeface="微软雅黑" panose="020B0503020204020204" pitchFamily="34" charset="-122"/>
+                      </a:endParaRPr>
+                    </a:p>
+                  </a:txBody>
+                  <a:tcPr/>
+                </a:tc>
+                <a:tc>
+                  <a:txBody>
+                    <a:bodyPr/>
+                    <a:lstStyle/>
+                    <a:p>
+                      <a:endParaRPr lang="zh-CN" altLang="en-US" sz="1400" dirty="0">
+                        <a:latin typeface="微软雅黑" panose="020B0503020204020204" pitchFamily="34" charset="-122"/>
+                        <a:ea typeface="微软雅黑" panose="020B0503020204020204" pitchFamily="34" charset="-122"/>
+                      </a:endParaRPr>
+                    </a:p>
+                  </a:txBody>
+                  <a:tcPr/>
+                </a:tc>
+                <a:extLst>
+                  <a:ext uri="{0D108BD9-81ED-4DB2-BD59-A6C34878D82A}">
+                    <a16:rowId xmlns:a16="http://schemas.microsoft.com/office/drawing/2014/main" val="4058691564"/>
+                  </a:ext>
+                </a:extLst>
+              </a:tr>
             </a:tbl>
           </a:graphicData>
         </a:graphic>
@@ -19735,14 +19864,7 @@
                 <a:latin typeface="微软雅黑" panose="020B0503020204020204" pitchFamily="34" charset="-122"/>
                 <a:ea typeface="微软雅黑" panose="020B0503020204020204" pitchFamily="34" charset="-122"/>
               </a:rPr>
-              <a:t>里</a:t>
-            </a:r>
-            <a:r>
-              <a:rPr lang="zh-CN" altLang="en-US" sz="1200" smtClean="0">
-                <a:latin typeface="微软雅黑" panose="020B0503020204020204" pitchFamily="34" charset="-122"/>
-                <a:ea typeface="微软雅黑" panose="020B0503020204020204" pitchFamily="34" charset="-122"/>
-              </a:rPr>
-              <a:t>的</a:t>
+              <a:t>里的</a:t>
             </a:r>
             <a:r>
               <a:rPr lang="zh-CN" altLang="en-US" sz="1200">
